--- a/Aeon/Aeon_Project.pptx
+++ b/Aeon/Aeon_Project.pptx
@@ -2623,7 +2623,7 @@
           <a:p>
             <a:fld id="{22038793-C75F-4B22-8D8E-6EFF9DFF6DCB}" type="datetimeFigureOut">
               <a:rPr lang="en-US" smtClean="0"/>
-              <a:t>10/19/19</a:t>
+              <a:t>10/20/19</a:t>
             </a:fld>
             <a:endParaRPr lang="en-US"/>
           </a:p>
@@ -3076,7 +3076,7 @@
           <a:p>
             <a:fld id="{4AAD347D-5ACD-4C99-B74B-A9C85AD731AF}" type="datetimeFigureOut">
               <a:rPr lang="en-US" smtClean="0"/>
-              <a:t>10/19/19</a:t>
+              <a:t>10/20/19</a:t>
             </a:fld>
             <a:endParaRPr lang="en-US"/>
           </a:p>
@@ -3351,7 +3351,7 @@
           <a:p>
             <a:fld id="{4AAD347D-5ACD-4C99-B74B-A9C85AD731AF}" type="datetimeFigureOut">
               <a:rPr lang="en-US" smtClean="0"/>
-              <a:t>10/19/19</a:t>
+              <a:t>10/20/19</a:t>
             </a:fld>
             <a:endParaRPr lang="en-US"/>
           </a:p>
@@ -3546,7 +3546,7 @@
           <a:p>
             <a:fld id="{4AAD347D-5ACD-4C99-B74B-A9C85AD731AF}" type="datetimeFigureOut">
               <a:rPr lang="en-US" smtClean="0"/>
-              <a:t>10/19/19</a:t>
+              <a:t>10/20/19</a:t>
             </a:fld>
             <a:endParaRPr lang="en-US"/>
           </a:p>
@@ -3820,7 +3820,7 @@
           <a:p>
             <a:fld id="{4AAD347D-5ACD-4C99-B74B-A9C85AD731AF}" type="datetimeFigureOut">
               <a:rPr lang="en-US" smtClean="0"/>
-              <a:t>10/19/19</a:t>
+              <a:t>10/20/19</a:t>
             </a:fld>
             <a:endParaRPr lang="en-US"/>
           </a:p>
@@ -4162,7 +4162,7 @@
           <a:p>
             <a:fld id="{4AAD347D-5ACD-4C99-B74B-A9C85AD731AF}" type="datetimeFigureOut">
               <a:rPr lang="en-US" smtClean="0"/>
-              <a:t>10/19/19</a:t>
+              <a:t>10/20/19</a:t>
             </a:fld>
             <a:endParaRPr lang="en-US"/>
           </a:p>
@@ -4786,7 +4786,7 @@
           <a:p>
             <a:fld id="{4AAD347D-5ACD-4C99-B74B-A9C85AD731AF}" type="datetimeFigureOut">
               <a:rPr lang="en-US" smtClean="0"/>
-              <a:t>10/19/19</a:t>
+              <a:t>10/20/19</a:t>
             </a:fld>
             <a:endParaRPr lang="en-US"/>
           </a:p>
@@ -5647,7 +5647,7 @@
           <a:p>
             <a:fld id="{4AAD347D-5ACD-4C99-B74B-A9C85AD731AF}" type="datetimeFigureOut">
               <a:rPr lang="en-US" smtClean="0"/>
-              <a:t>10/19/19</a:t>
+              <a:t>10/20/19</a:t>
             </a:fld>
             <a:endParaRPr lang="en-US"/>
           </a:p>
@@ -5818,7 +5818,7 @@
           <a:p>
             <a:fld id="{4AAD347D-5ACD-4C99-B74B-A9C85AD731AF}" type="datetimeFigureOut">
               <a:rPr lang="en-US" smtClean="0"/>
-              <a:t>10/19/19</a:t>
+              <a:t>10/20/19</a:t>
             </a:fld>
             <a:endParaRPr lang="en-US"/>
           </a:p>
@@ -5999,7 +5999,7 @@
           <a:p>
             <a:fld id="{4AAD347D-5ACD-4C99-B74B-A9C85AD731AF}" type="datetimeFigureOut">
               <a:rPr lang="en-US" smtClean="0"/>
-              <a:t>10/19/19</a:t>
+              <a:t>10/20/19</a:t>
             </a:fld>
             <a:endParaRPr lang="en-US"/>
           </a:p>
@@ -6196,7 +6196,7 @@
           <a:p>
             <a:fld id="{4509A250-FF31-4206-8172-F9D3106AACB1}" type="datetimeFigureOut">
               <a:rPr lang="en-US" smtClean="0"/>
-              <a:t>10/19/19</a:t>
+              <a:t>10/20/19</a:t>
             </a:fld>
             <a:endParaRPr lang="en-US"/>
           </a:p>
@@ -6366,7 +6366,7 @@
           <a:p>
             <a:fld id="{4AAD347D-5ACD-4C99-B74B-A9C85AD731AF}" type="datetimeFigureOut">
               <a:rPr lang="en-US" smtClean="0"/>
-              <a:t>10/19/19</a:t>
+              <a:t>10/20/19</a:t>
             </a:fld>
             <a:endParaRPr lang="en-US"/>
           </a:p>
@@ -6614,7 +6614,7 @@
           <a:p>
             <a:fld id="{9796027F-7875-4030-9381-8BD8C4F21935}" type="datetimeFigureOut">
               <a:rPr lang="en-US" smtClean="0"/>
-              <a:t>10/19/19</a:t>
+              <a:t>10/20/19</a:t>
             </a:fld>
             <a:endParaRPr lang="en-US"/>
           </a:p>
@@ -6906,7 +6906,7 @@
           <a:p>
             <a:fld id="{4AAD347D-5ACD-4C99-B74B-A9C85AD731AF}" type="datetimeFigureOut">
               <a:rPr lang="en-US" smtClean="0"/>
-              <a:t>10/19/19</a:t>
+              <a:t>10/20/19</a:t>
             </a:fld>
             <a:endParaRPr lang="en-US"/>
           </a:p>
@@ -7351,7 +7351,7 @@
           <a:p>
             <a:fld id="{4AAD347D-5ACD-4C99-B74B-A9C85AD731AF}" type="datetimeFigureOut">
               <a:rPr lang="en-US" smtClean="0"/>
-              <a:t>10/19/19</a:t>
+              <a:t>10/20/19</a:t>
             </a:fld>
             <a:endParaRPr lang="en-US"/>
           </a:p>
@@ -7470,7 +7470,7 @@
           <a:p>
             <a:fld id="{4509A250-FF31-4206-8172-F9D3106AACB1}" type="datetimeFigureOut">
               <a:rPr lang="en-US" smtClean="0"/>
-              <a:t>10/19/19</a:t>
+              <a:t>10/20/19</a:t>
             </a:fld>
             <a:endParaRPr lang="en-US"/>
           </a:p>
@@ -7565,7 +7565,7 @@
           <a:p>
             <a:fld id="{4509A250-FF31-4206-8172-F9D3106AACB1}" type="datetimeFigureOut">
               <a:rPr lang="en-US" smtClean="0"/>
-              <a:t>10/19/19</a:t>
+              <a:t>10/20/19</a:t>
             </a:fld>
             <a:endParaRPr lang="en-US"/>
           </a:p>
@@ -7844,7 +7844,7 @@
           <a:p>
             <a:fld id="{4AAD347D-5ACD-4C99-B74B-A9C85AD731AF}" type="datetimeFigureOut">
               <a:rPr lang="en-US" smtClean="0"/>
-              <a:t>10/19/19</a:t>
+              <a:t>10/20/19</a:t>
             </a:fld>
             <a:endParaRPr lang="en-US"/>
           </a:p>
@@ -8120,7 +8120,7 @@
           <a:p>
             <a:fld id="{4509A250-FF31-4206-8172-F9D3106AACB1}" type="datetimeFigureOut">
               <a:rPr lang="en-US" smtClean="0"/>
-              <a:t>10/19/19</a:t>
+              <a:t>10/20/19</a:t>
             </a:fld>
             <a:endParaRPr lang="en-US"/>
           </a:p>
@@ -8549,7 +8549,7 @@
           <a:p>
             <a:fld id="{4AAD347D-5ACD-4C99-B74B-A9C85AD731AF}" type="datetimeFigureOut">
               <a:rPr lang="en-US" smtClean="0"/>
-              <a:t>10/19/19</a:t>
+              <a:t>10/20/19</a:t>
             </a:fld>
             <a:endParaRPr lang="en-US"/>
           </a:p>
@@ -10582,8 +10582,8 @@
               <a:buChar char="Ø"/>
             </a:pPr>
             <a:r>
-              <a:rPr lang="en-US"/>
-              <a:t>Our rule classifies Negative Reasons to Move-out as correct and Positive Reasons to Move-out as incorrect </a:t>
+              <a:rPr lang="en-US" dirty="0"/>
+              <a:t>The rule classifies Negative Reasons to Move-out as correct and Positive Reasons to Move-out as incorrect </a:t>
             </a:r>
           </a:p>
           <a:p>
@@ -10591,7 +10591,7 @@
               <a:buFont typeface="Wingdings" charset="2"/>
               <a:buChar char="Ø"/>
             </a:pPr>
-            <a:endParaRPr lang="en-US"/>
+            <a:endParaRPr lang="en-US" dirty="0"/>
           </a:p>
           <a:p>
             <a:pPr>
@@ -10599,7 +10599,7 @@
               <a:buChar char="Ø"/>
             </a:pPr>
             <a:r>
-              <a:rPr lang="en-US"/>
+              <a:rPr lang="en-US" dirty="0"/>
               <a:t>Negative Move Outs that are correctly classified as Negative Move Outs are called true correct and all Positive Move Outs that are correctly classified as Positive Move Outs are called true incorrect</a:t>
             </a:r>
           </a:p>
@@ -10608,7 +10608,7 @@
               <a:buFont typeface="Wingdings" charset="2"/>
               <a:buChar char="Ø"/>
             </a:pPr>
-            <a:endParaRPr lang="en-US"/>
+            <a:endParaRPr lang="en-US" dirty="0"/>
           </a:p>
           <a:p>
             <a:pPr>
@@ -10616,39 +10616,39 @@
               <a:buChar char="Ø"/>
             </a:pPr>
             <a:r>
-              <a:rPr lang="en-US"/>
-              <a:t>We used a confusion matrix to demonstrate our algorithms model success rate</a:t>
+              <a:rPr lang="en-US" dirty="0"/>
+              <a:t>Confusion matrix is used to demonstrate our algorithms model success rate</a:t>
             </a:r>
           </a:p>
           <a:p>
             <a:pPr marL="0" indent="0">
               <a:buNone/>
             </a:pPr>
-            <a:endParaRPr lang="en-US"/>
+            <a:endParaRPr lang="en-US" dirty="0"/>
           </a:p>
           <a:p>
             <a:pPr>
               <a:buFont typeface="'Wingdings 3',Sans-Serif" charset="2"/>
             </a:pPr>
-            <a:endParaRPr lang="en-US"/>
+            <a:endParaRPr lang="en-US" dirty="0"/>
           </a:p>
           <a:p>
             <a:pPr>
               <a:buFont typeface="'Wingdings 3',Sans-Serif" charset="2"/>
             </a:pPr>
-            <a:endParaRPr lang="en-US"/>
+            <a:endParaRPr lang="en-US" dirty="0"/>
           </a:p>
           <a:p>
             <a:pPr>
               <a:buFont typeface="'Wingdings 3',Sans-Serif" charset="2"/>
             </a:pPr>
-            <a:endParaRPr lang="en-US"/>
+            <a:endParaRPr lang="en-US" dirty="0"/>
           </a:p>
           <a:p>
             <a:pPr>
               <a:buFont typeface="'Wingdings 3',Sans-Serif" charset="2"/>
             </a:pPr>
-            <a:endParaRPr lang="en-US"/>
+            <a:endParaRPr lang="en-US" dirty="0"/>
           </a:p>
         </p:txBody>
       </p:sp>
@@ -10782,7 +10782,7 @@
               <a:rPr lang="en-US" sz="2000" dirty="0">
                 <a:cs typeface="Arial"/>
               </a:rPr>
-              <a:t>Our model's misclassification rate is about 33%</a:t>
+              <a:t>The model's misclassification rate is about 33%</a:t>
             </a:r>
           </a:p>
           <a:p>
@@ -11285,11 +11285,11 @@
           <a:lstStyle/>
           <a:p>
             <a:r>
-              <a:rPr lang="en-US" sz="4800" b="1"/>
+              <a:rPr lang="en-US" sz="4800" b="1" dirty="0"/>
               <a:t>Mission Statement</a:t>
             </a:r>
             <a:r>
-              <a:rPr lang="en-US" sz="4800"/>
+              <a:rPr lang="en-US" sz="4800" dirty="0"/>
               <a:t>: Aeon's mission is to create and sustain quality affordable homes that strengthen lives and communities</a:t>
             </a:r>
           </a:p>
@@ -11326,7 +11326,7 @@
           <a:lstStyle/>
           <a:p>
             <a:r>
-              <a:rPr lang="en-US" sz="4800"/>
+              <a:rPr lang="en-US" sz="4800" dirty="0"/>
               <a:t>How can we address reasons to move out?</a:t>
             </a:r>
           </a:p>
@@ -11384,7 +11384,7 @@
           <a:lstStyle/>
           <a:p>
             <a:r>
-              <a:rPr lang="en-US"/>
+              <a:rPr lang="en-US" dirty="0"/>
               <a:t>Recommendations</a:t>
             </a:r>
           </a:p>
@@ -11414,54 +11414,54 @@
           <a:lstStyle/>
           <a:p>
             <a:r>
-              <a:rPr lang="en-US"/>
+              <a:rPr lang="en-US" dirty="0"/>
               <a:t>Provide career services to reduce the high association moving out of unemployment and educated individuals</a:t>
             </a:r>
           </a:p>
           <a:p>
             <a:r>
-              <a:rPr lang="en-US"/>
+              <a:rPr lang="en-US" dirty="0"/>
               <a:t>Increase neighborhood gathering events to encourage more community interaction</a:t>
             </a:r>
           </a:p>
           <a:p>
             <a:r>
-              <a:rPr lang="en-US"/>
+              <a:rPr lang="en-US" dirty="0"/>
               <a:t>Provide more Bus Cards and public transit resources for residents</a:t>
             </a:r>
           </a:p>
           <a:p>
             <a:r>
-              <a:rPr lang="en-US"/>
+              <a:rPr lang="en-US" dirty="0"/>
               <a:t>Increase security and provide a safe environment for tenants</a:t>
             </a:r>
           </a:p>
           <a:p>
             <a:r>
-              <a:rPr lang="en-US"/>
+              <a:rPr lang="en-US" dirty="0"/>
               <a:t>Develop community services for IT help and provide better access to educational materials</a:t>
             </a:r>
           </a:p>
           <a:p>
             <a:r>
-              <a:rPr lang="en-US"/>
+              <a:rPr lang="en-US" dirty="0"/>
               <a:t>Help unemployed residents find programs that sponsor/help fund back to school supplies and provide career services</a:t>
             </a:r>
           </a:p>
           <a:p>
-            <a:endParaRPr lang="en-US"/>
-          </a:p>
-          <a:p>
-            <a:endParaRPr lang="en-US"/>
-          </a:p>
-          <a:p>
-            <a:endParaRPr lang="en-US"/>
-          </a:p>
-          <a:p>
-            <a:endParaRPr lang="en-US"/>
-          </a:p>
-          <a:p>
-            <a:endParaRPr lang="en-US"/>
+            <a:endParaRPr lang="en-US" dirty="0"/>
+          </a:p>
+          <a:p>
+            <a:endParaRPr lang="en-US" dirty="0"/>
+          </a:p>
+          <a:p>
+            <a:endParaRPr lang="en-US" dirty="0"/>
+          </a:p>
+          <a:p>
+            <a:endParaRPr lang="en-US" dirty="0"/>
+          </a:p>
+          <a:p>
+            <a:endParaRPr lang="en-US" dirty="0"/>
           </a:p>
         </p:txBody>
       </p:sp>
@@ -11649,7 +11649,7 @@
           <a:lstStyle/>
           <a:p>
             <a:r>
-              <a:rPr lang="en-US"/>
+              <a:rPr lang="en-US" dirty="0"/>
               <a:t>Association Rules</a:t>
             </a:r>
           </a:p>
@@ -11703,7 +11703,7 @@
           <a:p>
             <a:r>
               <a:rPr lang="en-US" dirty="0"/>
-              <a:t>Our group focused on if the type of resources had an effect of someone moving out</a:t>
+              <a:t>We are interested whether the type of resources had an effect of someone moving out</a:t>
             </a:r>
           </a:p>
           <a:p>
@@ -11766,7 +11766,7 @@
           <a:lstStyle/>
           <a:p>
             <a:r>
-              <a:rPr lang="en-US"/>
+              <a:rPr lang="en-US" dirty="0"/>
               <a:t>Support, Confidence, and Lift</a:t>
             </a:r>
           </a:p>
@@ -11801,45 +11801,45 @@
           <a:lstStyle/>
           <a:p>
             <a:r>
-              <a:rPr lang="en-US"/>
+              <a:rPr lang="en-US" dirty="0"/>
               <a:t>Support is a percentage out of all the reasons someone may move out</a:t>
             </a:r>
           </a:p>
           <a:p>
             <a:r>
-              <a:rPr lang="en-US"/>
+              <a:rPr lang="en-US" dirty="0"/>
               <a:t>Confidence is the degree when a rule predicts if a person moves out for a positive or negative reason</a:t>
             </a:r>
           </a:p>
           <a:p>
             <a:r>
-              <a:rPr lang="en-US"/>
+              <a:rPr lang="en-US" dirty="0"/>
               <a:t>Lift is a measurement of association</a:t>
             </a:r>
           </a:p>
           <a:p>
             <a:r>
-              <a:rPr lang="en-US"/>
+              <a:rPr lang="en-US" dirty="0"/>
               <a:t>When Lift is above 1 then there is a positive association</a:t>
             </a:r>
           </a:p>
           <a:p>
             <a:r>
-              <a:rPr lang="en-US"/>
+              <a:rPr lang="en-US" dirty="0"/>
               <a:t>When Lift is below 1 then there is a negative association</a:t>
             </a:r>
           </a:p>
           <a:p>
             <a:r>
-              <a:rPr lang="en-US"/>
+              <a:rPr lang="en-US" dirty="0"/>
               <a:t>When Lift is 1 then there is no association</a:t>
             </a:r>
           </a:p>
           <a:p>
-            <a:endParaRPr lang="en-US"/>
-          </a:p>
-          <a:p>
-            <a:endParaRPr lang="en-US"/>
+            <a:endParaRPr lang="en-US" dirty="0"/>
+          </a:p>
+          <a:p>
+            <a:endParaRPr lang="en-US" dirty="0"/>
           </a:p>
         </p:txBody>
       </p:sp>
@@ -11895,7 +11895,7 @@
           <a:lstStyle/>
           <a:p>
             <a:r>
-              <a:rPr lang="en-US"/>
+              <a:rPr lang="en-US" dirty="0"/>
               <a:t>Positive Reasons For Moving Out</a:t>
             </a:r>
           </a:p>
@@ -12123,7 +12123,7 @@
                         <a:buNone/>
                       </a:pPr>
                       <a:r>
-                        <a:rPr lang="en-US"/>
+                        <a:rPr lang="en-US" dirty="0"/>
                         <a:t>Household Goods and Income</a:t>
                       </a:r>
                     </a:p>
@@ -12212,7 +12212,7 @@
                     <a:lstStyle/>
                     <a:p>
                       <a:r>
-                        <a:rPr lang="en-US"/>
+                        <a:rPr lang="en-US" dirty="0"/>
                         <a:t>Positive</a:t>
                       </a:r>
                     </a:p>
@@ -12404,7 +12404,7 @@
                     <a:lstStyle/>
                     <a:p>
                       <a:r>
-                        <a:rPr lang="en-US"/>
+                        <a:rPr lang="en-US" dirty="0"/>
                         <a:t>2.9</a:t>
                       </a:r>
                     </a:p>
@@ -12475,7 +12475,7 @@
           <a:lstStyle/>
           <a:p>
             <a:r>
-              <a:rPr lang="en-US"/>
+              <a:rPr lang="en-US" dirty="0"/>
               <a:t>Interesting Observations for Positive Reasons to Moving Out</a:t>
             </a:r>
           </a:p>
@@ -12535,7 +12535,7 @@
           <a:p>
             <a:r>
               <a:rPr lang="en-US" dirty="0"/>
-              <a:t>We think this is because they were able to learn new skills and apply those to better themselves</a:t>
+              <a:t>It might be because they were able to learn new skills and apply those to better themselves</a:t>
             </a:r>
           </a:p>
           <a:p>
@@ -12601,7 +12601,7 @@
           <a:lstStyle/>
           <a:p>
             <a:r>
-              <a:rPr lang="en-US"/>
+              <a:rPr lang="en-US" dirty="0"/>
               <a:t>Negative Reasons For Moving Out</a:t>
             </a:r>
           </a:p>
@@ -13201,7 +13201,7 @@
           <a:lstStyle/>
           <a:p>
             <a:r>
-              <a:rPr lang="en-US"/>
+              <a:rPr lang="en-US" dirty="0"/>
               <a:t>Interesting Observations for Negative Reason to Moving Out </a:t>
             </a:r>
           </a:p>
@@ -13250,7 +13250,7 @@
           <a:p>
             <a:r>
               <a:rPr lang="en-US" dirty="0"/>
-              <a:t>An interesting observation we found was that Mental Health and Substance Abuse had no association to being a Negative or Positive reason to move out</a:t>
+              <a:t>An interesting observation was that Mental Health and Substance Abuse had no association to being a Negative or Positive reason to move out</a:t>
             </a:r>
           </a:p>
           <a:p>
